--- a/SpringSecurity.pptx
+++ b/SpringSecurity.pptx
@@ -10,10 +10,11 @@
   <p:sldIdLst>
     <p:sldId id="256" r:id="rId3"/>
     <p:sldId id="259" r:id="rId4"/>
-    <p:sldId id="260" r:id="rId6"/>
-    <p:sldId id="262" r:id="rId7"/>
-    <p:sldId id="263" r:id="rId8"/>
-    <p:sldId id="261" r:id="rId9"/>
+    <p:sldId id="265" r:id="rId6"/>
+    <p:sldId id="260" r:id="rId7"/>
+    <p:sldId id="262" r:id="rId8"/>
+    <p:sldId id="263" r:id="rId9"/>
+    <p:sldId id="261" r:id="rId10"/>
   </p:sldIdLst>
   <p:sldSz cx="12192000" cy="6858000"/>
   <p:notesSz cx="6858000" cy="9144000"/>
@@ -549,63 +550,33 @@
         <p:cNvGrpSpPr/>
         <p:nvPr/>
       </p:nvGrpSpPr>
-      <p:grpSpPr>
-        <a:xfrm>
-          <a:off x="0" y="0"/>
-          <a:ext cx="0" cy="0"/>
-          <a:chOff x="0" y="0"/>
-          <a:chExt cx="0" cy="0"/>
-        </a:xfrm>
-      </p:grpSpPr>
+      <p:grpSpPr/>
       <p:sp>
         <p:nvSpPr>
           <p:cNvPr id="2" name="幻灯片图像占位符 1"/>
-          <p:cNvSpPr>
-            <a:spLocks noGrp="1" noRot="1" noChangeAspect="1"/>
-          </p:cNvSpPr>
-          <p:nvPr>
-            <p:ph type="sldImg"/>
+          <p:cNvSpPr/>
+          <p:nvPr>
+            <p:ph type="sldImg" idx="2"/>
           </p:nvPr>
         </p:nvSpPr>
         <p:spPr/>
       </p:sp>
       <p:sp>
         <p:nvSpPr>
-          <p:cNvPr id="3" name="备注占位符 2"/>
-          <p:cNvSpPr>
-            <a:spLocks noGrp="1"/>
-          </p:cNvSpPr>
-          <p:nvPr>
-            <p:ph type="body" idx="1"/>
+          <p:cNvPr id="3" name="文本占位符 2"/>
+          <p:cNvSpPr/>
+          <p:nvPr>
+            <p:ph type="body" idx="3"/>
           </p:nvPr>
         </p:nvSpPr>
         <p:spPr/>
         <p:txBody>
           <a:bodyPr/>
-          <a:lstStyle/>
-          <a:p>
-            <a:endParaRPr lang="zh-CN" altLang="en-US"/>
-          </a:p>
-        </p:txBody>
-      </p:sp>
-      <p:sp>
-        <p:nvSpPr>
-          <p:cNvPr id="4" name="灯片编号占位符 3"/>
-          <p:cNvSpPr>
-            <a:spLocks noGrp="1"/>
-          </p:cNvSpPr>
-          <p:nvPr>
-            <p:ph type="sldNum" sz="quarter" idx="10"/>
-          </p:nvPr>
-        </p:nvSpPr>
-        <p:spPr/>
-        <p:txBody>
-          <a:bodyPr/>
-          <a:lstStyle/>
-          <a:p>
-            <a:fld id="{C1D8EC34-BA80-4310-8368-DD5EC170E5D2}" type="slidenum">
-              <a:rPr lang="zh-CN" altLang="en-US" smtClean="0"/>
-            </a:fld>
+          <a:p>
+            <a:r>
+              <a:rPr lang="zh-CN" altLang="en-US"/>
+              <a:t>https://v.youku.com/v_show/id_XMjc0NTE4NDA4OA==.html?spm=a2h0k.11417342.soresults.dtitle</a:t>
+            </a:r>
             <a:endParaRPr lang="zh-CN" altLang="en-US"/>
           </a:p>
         </p:txBody>
@@ -619,6 +590,84 @@
 </file>
 
 <file path=ppt/notesSlides/notesSlide3.xml><?xml version="1.0" encoding="utf-8"?>
+<p:notes xmlns:a="http://schemas.openxmlformats.org/drawingml/2006/main" xmlns:r="http://schemas.openxmlformats.org/officeDocument/2006/relationships" xmlns:p="http://schemas.openxmlformats.org/presentationml/2006/main">
+  <p:cSld>
+    <p:spTree>
+      <p:nvGrpSpPr>
+        <p:cNvPr id="1" name=""/>
+        <p:cNvGrpSpPr/>
+        <p:nvPr/>
+      </p:nvGrpSpPr>
+      <p:grpSpPr>
+        <a:xfrm>
+          <a:off x="0" y="0"/>
+          <a:ext cx="0" cy="0"/>
+          <a:chOff x="0" y="0"/>
+          <a:chExt cx="0" cy="0"/>
+        </a:xfrm>
+      </p:grpSpPr>
+      <p:sp>
+        <p:nvSpPr>
+          <p:cNvPr id="2" name="幻灯片图像占位符 1"/>
+          <p:cNvSpPr>
+            <a:spLocks noGrp="1" noRot="1" noChangeAspect="1"/>
+          </p:cNvSpPr>
+          <p:nvPr>
+            <p:ph type="sldImg"/>
+          </p:nvPr>
+        </p:nvSpPr>
+        <p:spPr/>
+      </p:sp>
+      <p:sp>
+        <p:nvSpPr>
+          <p:cNvPr id="3" name="备注占位符 2"/>
+          <p:cNvSpPr>
+            <a:spLocks noGrp="1"/>
+          </p:cNvSpPr>
+          <p:nvPr>
+            <p:ph type="body" idx="1"/>
+          </p:nvPr>
+        </p:nvSpPr>
+        <p:spPr/>
+        <p:txBody>
+          <a:bodyPr/>
+          <a:lstStyle/>
+          <a:p>
+            <a:endParaRPr lang="zh-CN" altLang="en-US"/>
+          </a:p>
+        </p:txBody>
+      </p:sp>
+      <p:sp>
+        <p:nvSpPr>
+          <p:cNvPr id="4" name="灯片编号占位符 3"/>
+          <p:cNvSpPr>
+            <a:spLocks noGrp="1"/>
+          </p:cNvSpPr>
+          <p:nvPr>
+            <p:ph type="sldNum" sz="quarter" idx="10"/>
+          </p:nvPr>
+        </p:nvSpPr>
+        <p:spPr/>
+        <p:txBody>
+          <a:bodyPr/>
+          <a:lstStyle/>
+          <a:p>
+            <a:fld id="{C1D8EC34-BA80-4310-8368-DD5EC170E5D2}" type="slidenum">
+              <a:rPr lang="zh-CN" altLang="en-US" smtClean="0"/>
+            </a:fld>
+            <a:endParaRPr lang="zh-CN" altLang="en-US"/>
+          </a:p>
+        </p:txBody>
+      </p:sp>
+    </p:spTree>
+  </p:cSld>
+  <p:clrMapOvr>
+    <a:masterClrMapping/>
+  </p:clrMapOvr>
+</p:notes>
+</file>
+
+<file path=ppt/notesSlides/notesSlide4.xml><?xml version="1.0" encoding="utf-8"?>
 <p:notes xmlns:a="http://schemas.openxmlformats.org/drawingml/2006/main" xmlns:r="http://schemas.openxmlformats.org/officeDocument/2006/relationships" xmlns:p="http://schemas.openxmlformats.org/presentationml/2006/main">
   <p:cSld>
     <p:spTree>
@@ -4483,70 +4532,60 @@
         <p:cNvGrpSpPr/>
         <p:nvPr/>
       </p:nvGrpSpPr>
-      <p:grpSpPr>
-        <a:xfrm>
-          <a:off x="0" y="0"/>
-          <a:ext cx="0" cy="0"/>
-          <a:chOff x="0" y="0"/>
-          <a:chExt cx="0" cy="0"/>
-        </a:xfrm>
-      </p:grpSpPr>
-      <p:sp>
-        <p:nvSpPr>
-          <p:cNvPr id="3" name="标题 2"/>
-          <p:cNvSpPr>
-            <a:spLocks noGrp="1"/>
-          </p:cNvSpPr>
-          <p:nvPr>
-            <p:ph type="title"/>
-            <p:custDataLst>
-              <p:tags r:id="rId1"/>
-            </p:custDataLst>
-          </p:nvPr>
+      <p:grpSpPr/>
+      <p:sp>
+        <p:nvSpPr>
+          <p:cNvPr id="2" name="文本框 1"/>
+          <p:cNvSpPr txBox="1"/>
+          <p:nvPr/>
         </p:nvSpPr>
         <p:spPr>
           <a:xfrm>
-            <a:off x="4580255" y="3208020"/>
-            <a:ext cx="3514090" cy="646430"/>
+            <a:off x="1552575" y="905510"/>
+            <a:ext cx="6598920" cy="1198880"/>
           </a:xfrm>
+          <a:prstGeom prst="rect">
+            <a:avLst/>
+          </a:prstGeom>
+          <a:noFill/>
         </p:spPr>
         <p:txBody>
-          <a:bodyPr>
-            <a:normAutofit fontScale="90000"/>
+          <a:bodyPr wrap="square" rtlCol="0">
+            <a:spAutoFit/>
           </a:bodyPr>
-          <a:lstStyle/>
           <a:p>
             <a:r>
               <a:rPr lang="en-US" altLang="zh-CN"/>
-              <a:t>WebApplication Security</a:t>
-            </a:r>
-            <a:endParaRPr lang="en-US" altLang="zh-CN"/>
-          </a:p>
-        </p:txBody>
-      </p:sp>
-      <p:sp>
-        <p:nvSpPr>
-          <p:cNvPr id="4" name="文本占位符 3"/>
-          <p:cNvSpPr>
-            <a:spLocks noGrp="1"/>
-          </p:cNvSpPr>
-          <p:nvPr>
-            <p:ph type="body" idx="1"/>
-            <p:custDataLst>
-              <p:tags r:id="rId2"/>
-            </p:custDataLst>
-          </p:nvPr>
-        </p:nvSpPr>
-        <p:spPr/>
-        <p:txBody>
-          <a:bodyPr>
-            <a:normAutofit lnSpcReduction="10000"/>
-          </a:bodyPr>
-          <a:lstStyle/>
-          <a:p>
+              <a:t>Spring Security</a:t>
+            </a:r>
             <a:r>
               <a:rPr lang="zh-CN" altLang="en-US"/>
-              <a:t>壹</a:t>
+              <a:t>：</a:t>
+            </a:r>
+            <a:endParaRPr lang="zh-CN" altLang="en-US"/>
+          </a:p>
+          <a:p>
+            <a:endParaRPr lang="zh-CN" altLang="en-US"/>
+          </a:p>
+          <a:p>
+            <a:r>
+              <a:rPr lang="zh-CN" altLang="en-US"/>
+              <a:t>基于</a:t>
+            </a:r>
+            <a:r>
+              <a:rPr lang="en-US" altLang="zh-CN"/>
+              <a:t>URL</a:t>
+            </a:r>
+            <a:r>
+              <a:rPr lang="zh-CN" altLang="en-US"/>
+              <a:t>做认证</a:t>
+            </a:r>
+            <a:endParaRPr lang="zh-CN" altLang="en-US"/>
+          </a:p>
+          <a:p>
+            <a:r>
+              <a:rPr lang="zh-CN" altLang="en-US"/>
+              <a:t>基于方法做认证</a:t>
             </a:r>
             <a:endParaRPr lang="zh-CN" altLang="en-US"/>
           </a:p>
@@ -4554,7 +4593,7 @@
       </p:sp>
     </p:spTree>
     <p:custDataLst>
-      <p:tags r:id="rId3"/>
+      <p:tags r:id="rId1"/>
     </p:custDataLst>
   </p:cSld>
   <p:clrMapOvr>
@@ -4572,90 +4611,70 @@
         <p:cNvGrpSpPr/>
         <p:nvPr/>
       </p:nvGrpSpPr>
-      <p:grpSpPr/>
-      <p:sp>
-        <p:nvSpPr>
-          <p:cNvPr id="4" name="文本框 3"/>
-          <p:cNvSpPr txBox="1"/>
-          <p:nvPr/>
+      <p:grpSpPr>
+        <a:xfrm>
+          <a:off x="0" y="0"/>
+          <a:ext cx="0" cy="0"/>
+          <a:chOff x="0" y="0"/>
+          <a:chExt cx="0" cy="0"/>
+        </a:xfrm>
+      </p:grpSpPr>
+      <p:sp>
+        <p:nvSpPr>
+          <p:cNvPr id="3" name="标题 2"/>
+          <p:cNvSpPr>
+            <a:spLocks noGrp="1"/>
+          </p:cNvSpPr>
+          <p:nvPr>
+            <p:ph type="title"/>
+            <p:custDataLst>
+              <p:tags r:id="rId1"/>
+            </p:custDataLst>
+          </p:nvPr>
         </p:nvSpPr>
         <p:spPr>
           <a:xfrm>
-            <a:off x="1214755" y="800735"/>
-            <a:ext cx="10526395" cy="3692525"/>
+            <a:off x="4580255" y="3208020"/>
+            <a:ext cx="3514090" cy="646430"/>
           </a:xfrm>
-          <a:prstGeom prst="rect">
-            <a:avLst/>
-          </a:prstGeom>
-          <a:noFill/>
         </p:spPr>
         <p:txBody>
-          <a:bodyPr wrap="square" rtlCol="0">
-            <a:spAutoFit/>
+          <a:bodyPr>
+            <a:normAutofit fontScale="90000"/>
           </a:bodyPr>
+          <a:lstStyle/>
+          <a:p>
+            <a:r>
+              <a:rPr lang="en-US" altLang="zh-CN"/>
+              <a:t>WebApplication Security</a:t>
+            </a:r>
+            <a:endParaRPr lang="en-US" altLang="zh-CN"/>
+          </a:p>
+        </p:txBody>
+      </p:sp>
+      <p:sp>
+        <p:nvSpPr>
+          <p:cNvPr id="4" name="文本占位符 3"/>
+          <p:cNvSpPr>
+            <a:spLocks noGrp="1"/>
+          </p:cNvSpPr>
+          <p:nvPr>
+            <p:ph type="body" idx="1"/>
+            <p:custDataLst>
+              <p:tags r:id="rId2"/>
+            </p:custDataLst>
+          </p:nvPr>
+        </p:nvSpPr>
+        <p:spPr/>
+        <p:txBody>
+          <a:bodyPr>
+            <a:normAutofit lnSpcReduction="10000"/>
+          </a:bodyPr>
+          <a:lstStyle/>
           <a:p>
             <a:r>
               <a:rPr lang="zh-CN" altLang="en-US"/>
-              <a:t>Spring Security’s web infrastructure is based entirely on standard servlet filters</a:t>
-            </a:r>
-            <a:endParaRPr lang="zh-CN" altLang="en-US"/>
-          </a:p>
-          <a:p>
-            <a:r>
-              <a:rPr lang="en-US" altLang="zh-CN"/>
-              <a:t>i</a:t>
-            </a:r>
-            <a:r>
-              <a:rPr lang="zh-CN" altLang="en-US"/>
-              <a:t>t has no strong links to any particular web technology.</a:t>
-            </a:r>
-            <a:endParaRPr lang="zh-CN" altLang="en-US"/>
-          </a:p>
-          <a:p>
-            <a:endParaRPr lang="zh-CN" altLang="en-US"/>
-          </a:p>
-          <a:p>
-            <a:r>
-              <a:rPr lang="zh-CN" altLang="en-US"/>
-              <a:t>Spring Security maintains a filter chain internally where each of the filters has a particular responsibility and filters are added or removed from the configuration depending on which services are required.</a:t>
-            </a:r>
-            <a:endParaRPr lang="zh-CN" altLang="en-US"/>
-          </a:p>
-          <a:p>
-            <a:endParaRPr lang="zh-CN" altLang="en-US"/>
-          </a:p>
-          <a:p>
-            <a:r>
-              <a:rPr lang="zh-CN" altLang="en-US"/>
-              <a:t>When using servlet filters, you obviously need to declare them in your web.xml, or they will be ignored</a:t>
-            </a:r>
-            <a:endParaRPr lang="zh-CN" altLang="en-US"/>
-          </a:p>
-          <a:p>
-            <a:r>
-              <a:rPr lang="zh-CN" altLang="en-US"/>
-              <a:t>by the servlet container. In Spring Security, the filter classes are also Spring beans defined in the</a:t>
-            </a:r>
-            <a:endParaRPr lang="zh-CN" altLang="en-US"/>
-          </a:p>
-          <a:p>
-            <a:r>
-              <a:rPr lang="zh-CN" altLang="en-US"/>
-              <a:t>application context and thus able to take advantage of Spring’s rich dependency-injection facilities and lifecycle interfaces. </a:t>
-            </a:r>
-            <a:endParaRPr lang="zh-CN" altLang="en-US"/>
-          </a:p>
-          <a:p>
-            <a:r>
-              <a:rPr lang="zh-CN" altLang="en-US"/>
-              <a:t>Spring’s DelegatingFilterProxy provides the link between web.xml and the</a:t>
-            </a:r>
-            <a:endParaRPr lang="zh-CN" altLang="en-US"/>
-          </a:p>
-          <a:p>
-            <a:r>
-              <a:rPr lang="zh-CN" altLang="en-US"/>
-              <a:t>application context.</a:t>
+              <a:t>壹</a:t>
             </a:r>
             <a:endParaRPr lang="zh-CN" altLang="en-US"/>
           </a:p>
@@ -4663,7 +4682,7 @@
       </p:sp>
     </p:spTree>
     <p:custDataLst>
-      <p:tags r:id="rId1"/>
+      <p:tags r:id="rId3"/>
     </p:custDataLst>
   </p:cSld>
   <p:clrMapOvr>
@@ -4690,8 +4709,8 @@
         </p:nvSpPr>
         <p:spPr>
           <a:xfrm>
-            <a:off x="1416050" y="1452880"/>
-            <a:ext cx="9495790" cy="1198880"/>
+            <a:off x="1214755" y="800735"/>
+            <a:ext cx="10526395" cy="3692525"/>
           </a:xfrm>
           <a:prstGeom prst="rect">
             <a:avLst/>
@@ -4704,23 +4723,29 @@
           </a:bodyPr>
           <a:p>
             <a:r>
+              <a:rPr lang="zh-CN" altLang="en-US"/>
+              <a:t>Spring Security’s web infrastructure is based entirely on standard servlet filters</a:t>
+            </a:r>
+            <a:endParaRPr lang="zh-CN" altLang="en-US"/>
+          </a:p>
+          <a:p>
+            <a:r>
               <a:rPr lang="en-US" altLang="zh-CN"/>
-              <a:t>Springboot </a:t>
+              <a:t>i</a:t>
             </a:r>
             <a:r>
               <a:rPr lang="zh-CN" altLang="en-US"/>
-              <a:t>中的</a:t>
-            </a:r>
-            <a:r>
-              <a:rPr lang="en-US" altLang="zh-CN"/>
-              <a:t>web.xml</a:t>
-            </a:r>
+              <a:t>t has no strong links to any particular web technology.</a:t>
+            </a:r>
+            <a:endParaRPr lang="zh-CN" altLang="en-US"/>
+          </a:p>
+          <a:p>
             <a:endParaRPr lang="zh-CN" altLang="en-US"/>
           </a:p>
           <a:p>
             <a:r>
               <a:rPr lang="zh-CN" altLang="en-US"/>
-              <a:t>https://blog.csdn.net/wang11234ilike/article/details/60575239</a:t>
+              <a:t>Spring Security maintains a filter chain internally where each of the filters has a particular responsibility and filters are added or removed from the configuration depending on which services are required.</a:t>
             </a:r>
             <a:endParaRPr lang="zh-CN" altLang="en-US"/>
           </a:p>
@@ -4730,7 +4755,35 @@
           <a:p>
             <a:r>
               <a:rPr lang="zh-CN" altLang="en-US"/>
-              <a:t>https://blog.csdn.net/J3oker/article/details/52556008</a:t>
+              <a:t>When using servlet filters, you obviously need to declare them in your web.xml, or they will be ignored</a:t>
+            </a:r>
+            <a:endParaRPr lang="zh-CN" altLang="en-US"/>
+          </a:p>
+          <a:p>
+            <a:r>
+              <a:rPr lang="zh-CN" altLang="en-US"/>
+              <a:t>by the servlet container. In Spring Security, the filter classes are also Spring beans defined in the</a:t>
+            </a:r>
+            <a:endParaRPr lang="zh-CN" altLang="en-US"/>
+          </a:p>
+          <a:p>
+            <a:r>
+              <a:rPr lang="zh-CN" altLang="en-US"/>
+              <a:t>application context and thus able to take advantage of Spring’s rich dependency-injection facilities and lifecycle interfaces. </a:t>
+            </a:r>
+            <a:endParaRPr lang="zh-CN" altLang="en-US"/>
+          </a:p>
+          <a:p>
+            <a:r>
+              <a:rPr lang="zh-CN" altLang="en-US"/>
+              <a:t>Spring’s DelegatingFilterProxy provides the link between web.xml and the</a:t>
+            </a:r>
+            <a:endParaRPr lang="zh-CN" altLang="en-US"/>
+          </a:p>
+          <a:p>
+            <a:r>
+              <a:rPr lang="zh-CN" altLang="en-US"/>
+              <a:t>application context.</a:t>
             </a:r>
             <a:endParaRPr lang="zh-CN" altLang="en-US"/>
           </a:p>
@@ -4748,6 +4801,81 @@
 </file>
 
 <file path=ppt/slides/slide6.xml><?xml version="1.0" encoding="utf-8"?>
+<p:sld xmlns:a="http://schemas.openxmlformats.org/drawingml/2006/main" xmlns:r="http://schemas.openxmlformats.org/officeDocument/2006/relationships" xmlns:p="http://schemas.openxmlformats.org/presentationml/2006/main">
+  <p:cSld>
+    <p:spTree>
+      <p:nvGrpSpPr>
+        <p:cNvPr id="1" name=""/>
+        <p:cNvGrpSpPr/>
+        <p:nvPr/>
+      </p:nvGrpSpPr>
+      <p:grpSpPr/>
+      <p:sp>
+        <p:nvSpPr>
+          <p:cNvPr id="4" name="文本框 3"/>
+          <p:cNvSpPr txBox="1"/>
+          <p:nvPr/>
+        </p:nvSpPr>
+        <p:spPr>
+          <a:xfrm>
+            <a:off x="1416050" y="1452880"/>
+            <a:ext cx="9495790" cy="1198880"/>
+          </a:xfrm>
+          <a:prstGeom prst="rect">
+            <a:avLst/>
+          </a:prstGeom>
+          <a:noFill/>
+        </p:spPr>
+        <p:txBody>
+          <a:bodyPr wrap="square" rtlCol="0">
+            <a:spAutoFit/>
+          </a:bodyPr>
+          <a:p>
+            <a:r>
+              <a:rPr lang="en-US" altLang="zh-CN"/>
+              <a:t>Springboot </a:t>
+            </a:r>
+            <a:r>
+              <a:rPr lang="zh-CN" altLang="en-US"/>
+              <a:t>中的</a:t>
+            </a:r>
+            <a:r>
+              <a:rPr lang="en-US" altLang="zh-CN"/>
+              <a:t>web.xml</a:t>
+            </a:r>
+            <a:endParaRPr lang="zh-CN" altLang="en-US"/>
+          </a:p>
+          <a:p>
+            <a:r>
+              <a:rPr lang="zh-CN" altLang="en-US"/>
+              <a:t>https://blog.csdn.net/wang11234ilike/article/details/60575239</a:t>
+            </a:r>
+            <a:endParaRPr lang="zh-CN" altLang="en-US"/>
+          </a:p>
+          <a:p>
+            <a:endParaRPr lang="zh-CN" altLang="en-US"/>
+          </a:p>
+          <a:p>
+            <a:r>
+              <a:rPr lang="zh-CN" altLang="en-US"/>
+              <a:t>https://blog.csdn.net/J3oker/article/details/52556008</a:t>
+            </a:r>
+            <a:endParaRPr lang="zh-CN" altLang="en-US"/>
+          </a:p>
+        </p:txBody>
+      </p:sp>
+    </p:spTree>
+    <p:custDataLst>
+      <p:tags r:id="rId1"/>
+    </p:custDataLst>
+  </p:cSld>
+  <p:clrMapOvr>
+    <a:masterClrMapping/>
+  </p:clrMapOvr>
+</p:sld>
+</file>
+
+<file path=ppt/slides/slide7.xml><?xml version="1.0" encoding="utf-8"?>
 <p:sld xmlns:a="http://schemas.openxmlformats.org/drawingml/2006/main" xmlns:r="http://schemas.openxmlformats.org/officeDocument/2006/relationships" xmlns:p="http://schemas.openxmlformats.org/presentationml/2006/main">
   <p:cSld>
     <p:spTree>
@@ -5045,6 +5173,14 @@
 
 <file path=ppt/tags/tag22.xml><?xml version="1.0" encoding="utf-8"?>
 <p:tagLst xmlns:p="http://schemas.openxmlformats.org/presentationml/2006/main">
+  <p:tag name="KSO_WM_BEAUTIFY_FLAG" val="#wm#"/>
+  <p:tag name="KSO_WM_TEMPLATE_CATEGORY" val="custom"/>
+  <p:tag name="KSO_WM_TEMPLATE_INDEX" val="20189055"/>
+</p:tagLst>
+</file>
+
+<file path=ppt/tags/tag23.xml><?xml version="1.0" encoding="utf-8"?>
+<p:tagLst xmlns:p="http://schemas.openxmlformats.org/presentationml/2006/main">
   <p:tag name="KSO_WM_TEMPLATE_CATEGORY" val="custom"/>
   <p:tag name="KSO_WM_TEMPLATE_INDEX" val="20189055"/>
   <p:tag name="KSO_WM_UNIT_TYPE" val="a"/>
@@ -5062,7 +5198,7 @@
 </p:tagLst>
 </file>
 
-<file path=ppt/tags/tag23.xml><?xml version="1.0" encoding="utf-8"?>
+<file path=ppt/tags/tag24.xml><?xml version="1.0" encoding="utf-8"?>
 <p:tagLst xmlns:p="http://schemas.openxmlformats.org/presentationml/2006/main">
   <p:tag name="KSO_WM_TEMPLATE_CATEGORY" val="custom"/>
   <p:tag name="KSO_WM_TEMPLATE_INDEX" val="20189055"/>
@@ -5080,7 +5216,7 @@
 </p:tagLst>
 </file>
 
-<file path=ppt/tags/tag24.xml><?xml version="1.0" encoding="utf-8"?>
+<file path=ppt/tags/tag25.xml><?xml version="1.0" encoding="utf-8"?>
 <p:tagLst xmlns:p="http://schemas.openxmlformats.org/presentationml/2006/main">
   <p:tag name="KSO_WM_TAG_VERSION" val="1.0"/>
   <p:tag name="KSO_WM_SLIDE_ITEM_CNT" val="1"/>
@@ -5098,14 +5234,6 @@
 </p:tagLst>
 </file>
 
-<file path=ppt/tags/tag25.xml><?xml version="1.0" encoding="utf-8"?>
-<p:tagLst xmlns:p="http://schemas.openxmlformats.org/presentationml/2006/main">
-  <p:tag name="KSO_WM_BEAUTIFY_FLAG" val="#wm#"/>
-  <p:tag name="KSO_WM_TEMPLATE_CATEGORY" val="custom"/>
-  <p:tag name="KSO_WM_TEMPLATE_INDEX" val="20189055"/>
-</p:tagLst>
-</file>
-
 <file path=ppt/tags/tag26.xml><?xml version="1.0" encoding="utf-8"?>
 <p:tagLst xmlns:p="http://schemas.openxmlformats.org/presentationml/2006/main">
   <p:tag name="KSO_WM_BEAUTIFY_FLAG" val="#wm#"/>
@@ -5115,6 +5243,14 @@
 </file>
 
 <file path=ppt/tags/tag27.xml><?xml version="1.0" encoding="utf-8"?>
+<p:tagLst xmlns:p="http://schemas.openxmlformats.org/presentationml/2006/main">
+  <p:tag name="KSO_WM_BEAUTIFY_FLAG" val="#wm#"/>
+  <p:tag name="KSO_WM_TEMPLATE_CATEGORY" val="custom"/>
+  <p:tag name="KSO_WM_TEMPLATE_INDEX" val="20189055"/>
+</p:tagLst>
+</file>
+
+<file path=ppt/tags/tag28.xml><?xml version="1.0" encoding="utf-8"?>
 <p:tagLst xmlns:p="http://schemas.openxmlformats.org/presentationml/2006/main">
   <p:tag name="KSO_WM_TEMPLATE_CATEGORY" val="custom"/>
   <p:tag name="KSO_WM_TEMPLATE_INDEX" val="20189055"/>
@@ -5133,7 +5269,7 @@
 </p:tagLst>
 </file>
 
-<file path=ppt/tags/tag28.xml><?xml version="1.0" encoding="utf-8"?>
+<file path=ppt/tags/tag29.xml><?xml version="1.0" encoding="utf-8"?>
 <p:tagLst xmlns:p="http://schemas.openxmlformats.org/presentationml/2006/main">
   <p:tag name="KSO_WM_TAG_VERSION" val="1.0"/>
   <p:tag name="KSO_WM_SLIDE_ITEM_CNT" val="1"/>
